--- a/slides/io_models.pptx
+++ b/slides/io_models.pptx
@@ -329,6 +329,11 @@
       </a:defRPr>
     </a:lvl9pPr>
   </p:defaultTextStyle>
+  <p:extLst>
+    <p:ext uri="{EFAFB233-063F-42B5-8137-9DF3F51BA10A}">
+      <p15:sldGuideLst xmlns:p15="http://schemas.microsoft.com/office/powerpoint/2012/main"/>
+    </p:ext>
+  </p:extLst>
 </p:presentation>
 </file>
 
@@ -12579,7 +12584,10 @@
               <a:avLst/>
             </a:prstGeom>
             <a:solidFill>
-              <a:srgbClr val="009900"/>
+              <a:schemeClr val="bg2">
+                <a:lumMod val="40000"/>
+                <a:lumOff val="60000"/>
+              </a:schemeClr>
             </a:solidFill>
             <a:ln w="38100" cap="flat">
               <a:solidFill>
@@ -12680,6 +12688,11 @@
             <a:chOff x="0" y="0"/>
             <a:chExt cx="7162800" cy="533400"/>
           </a:xfrm>
+          <a:solidFill>
+            <a:schemeClr val="bg1">
+              <a:lumMod val="95000"/>
+            </a:schemeClr>
+          </a:solidFill>
         </p:grpSpPr>
         <p:sp>
           <p:nvSpPr>
@@ -12695,9 +12708,7 @@
             <a:prstGeom prst="rect">
               <a:avLst/>
             </a:prstGeom>
-            <a:solidFill>
-              <a:srgbClr val="FFFF66"/>
-            </a:solidFill>
+            <a:grpFill/>
             <a:ln w="38100" cap="flat">
               <a:solidFill>
                 <a:srgbClr val="000000"/>
@@ -12734,7 +12745,7 @@
             <a:prstGeom prst="rect">
               <a:avLst/>
             </a:prstGeom>
-            <a:noFill/>
+            <a:grpFill/>
             <a:ln w="12700" cap="flat">
               <a:noFill/>
               <a:miter lim="400000"/>
@@ -12775,10 +12786,10 @@
         </p:nvGrpSpPr>
         <p:grpSpPr>
           <a:xfrm>
-            <a:off x="5824408" y="3505200"/>
-            <a:ext cx="1152784" cy="1066800"/>
-            <a:chOff x="0" y="0"/>
-            <a:chExt cx="1152782" cy="1066800"/>
+            <a:off x="5918912" y="3505200"/>
+            <a:ext cx="1043390" cy="1069848"/>
+            <a:chOff x="42991" y="0"/>
+            <a:chExt cx="1094176" cy="1069848"/>
           </a:xfrm>
         </p:grpSpPr>
         <p:sp>
@@ -12790,15 +12801,13 @@
           <p:spPr>
             <a:xfrm>
               <a:off x="42991" y="0"/>
-              <a:ext cx="1066801" cy="1066800"/>
+              <a:ext cx="1066801" cy="1069848"/>
             </a:xfrm>
             <a:prstGeom prst="rect">
               <a:avLst/>
             </a:prstGeom>
             <a:solidFill>
-              <a:schemeClr val="accent3">
-                <a:lumOff val="44000"/>
-              </a:schemeClr>
+              <a:srgbClr val="00B0F0"/>
             </a:solidFill>
             <a:ln w="9525" cap="flat">
               <a:solidFill>
@@ -12830,13 +12839,15 @@
           </p:nvSpPr>
           <p:spPr>
             <a:xfrm>
-              <a:off x="-1" y="68580"/>
-              <a:ext cx="1152784" cy="929641"/>
+              <a:off x="54019" y="179458"/>
+              <a:ext cx="1083148" cy="707884"/>
             </a:xfrm>
             <a:prstGeom prst="rect">
               <a:avLst/>
             </a:prstGeom>
-            <a:noFill/>
+            <a:solidFill>
+              <a:srgbClr val="00B0F0"/>
+            </a:solidFill>
             <a:ln w="12700" cap="flat">
               <a:noFill/>
               <a:miter lim="400000"/>
@@ -12849,21 +12860,21 @@
             </a:extLst>
           </p:spPr>
           <p:txBody>
-            <a:bodyPr wrap="none" lIns="45719" tIns="45719" rIns="45719" bIns="45719" numCol="1" anchor="ctr">
+            <a:bodyPr wrap="square" lIns="45719" tIns="45719" rIns="45719" bIns="45719" numCol="1" anchor="ctr">
               <a:spAutoFit/>
             </a:bodyPr>
             <a:lstStyle/>
             <a:p>
               <a:pPr algn="ctr"/>
               <a:r>
-                <a:rPr sz="2400" b="1"/>
+                <a:rPr sz="2000" b="1" dirty="0"/>
                 <a:t>Kernel</a:t>
               </a:r>
             </a:p>
             <a:p>
               <a:pPr algn="ctr"/>
               <a:r>
-                <a:rPr sz="2400" b="1"/>
+                <a:rPr sz="2000" b="1" dirty="0"/>
                 <a:t>Buffer</a:t>
               </a:r>
             </a:p>
@@ -13208,7 +13219,7 @@
         <p:spPr>
           <a:xfrm>
             <a:off x="7620000" y="2057400"/>
-            <a:ext cx="1234788" cy="510540"/>
+            <a:ext cx="1233669" cy="461665"/>
           </a:xfrm>
           <a:prstGeom prst="rect">
             <a:avLst/>
@@ -13244,9 +13255,12 @@
               </a:defRPr>
             </a:pPr>
             <a:r>
-              <a:rPr sz="2400" b="1">
+              <a:rPr sz="2400" b="1" dirty="0">
                 <a:solidFill>
-                  <a:srgbClr val="FF0000"/>
+                  <a:schemeClr val="tx1">
+                    <a:lumMod val="95000"/>
+                    <a:lumOff val="5000"/>
+                  </a:schemeClr>
                 </a:solidFill>
               </a:rPr>
               <a:t>2. Copy</a:t>
@@ -13262,11 +13276,14 @@
         </p:nvGrpSpPr>
         <p:grpSpPr>
           <a:xfrm>
-            <a:off x="5219645" y="1447800"/>
-            <a:ext cx="1828910" cy="1066800"/>
-            <a:chOff x="0" y="0"/>
-            <a:chExt cx="1828909" cy="1066800"/>
-          </a:xfrm>
+            <a:off x="5335872" y="1447800"/>
+            <a:ext cx="1626430" cy="1066800"/>
+            <a:chOff x="114354" y="0"/>
+            <a:chExt cx="1600201" cy="1066800"/>
+          </a:xfrm>
+          <a:solidFill>
+            <a:srgbClr val="00B0F0"/>
+          </a:solidFill>
         </p:grpSpPr>
         <p:sp>
           <p:nvSpPr>
@@ -13282,11 +13299,7 @@
             <a:prstGeom prst="rect">
               <a:avLst/>
             </a:prstGeom>
-            <a:solidFill>
-              <a:schemeClr val="accent3">
-                <a:lumOff val="44000"/>
-              </a:schemeClr>
-            </a:solidFill>
+            <a:grpFill/>
             <a:ln w="9525" cap="flat">
               <a:solidFill>
                 <a:srgbClr val="000000"/>
@@ -13317,13 +13330,13 @@
           </p:nvSpPr>
           <p:spPr>
             <a:xfrm>
-              <a:off x="-1" y="68580"/>
-              <a:ext cx="1828911" cy="929641"/>
+              <a:off x="383271" y="117903"/>
+              <a:ext cx="1062368" cy="830995"/>
             </a:xfrm>
             <a:prstGeom prst="rect">
               <a:avLst/>
             </a:prstGeom>
-            <a:noFill/>
+            <a:grpFill/>
             <a:ln w="12700" cap="flat">
               <a:noFill/>
               <a:miter lim="400000"/>
@@ -13343,14 +13356,15 @@
             <a:p>
               <a:pPr algn="ctr"/>
               <a:r>
-                <a:rPr sz="2400" b="1"/>
-                <a:t>Application</a:t>
+                <a:rPr lang="en-US" sz="2400" b="1" dirty="0" smtClean="0"/>
+                <a:t>User</a:t>
               </a:r>
+              <a:endParaRPr sz="2400" b="1" dirty="0"/>
             </a:p>
             <a:p>
               <a:pPr algn="ctr"/>
               <a:r>
-                <a:rPr sz="2400" b="1"/>
+                <a:rPr sz="2400" b="1" dirty="0"/>
                 <a:t>Buffer</a:t>
               </a:r>
             </a:p>
@@ -13366,7 +13380,7 @@
         <p:spPr>
           <a:xfrm>
             <a:off x="2438400" y="5105400"/>
-            <a:ext cx="3900151" cy="510540"/>
+            <a:ext cx="3921905" cy="461665"/>
           </a:xfrm>
           <a:prstGeom prst="rect">
             <a:avLst/>
@@ -13404,7 +13418,10 @@
             <a:r>
               <a:rPr sz="2400" b="1">
                 <a:solidFill>
-                  <a:srgbClr val="FF0000"/>
+                  <a:schemeClr val="tx1">
+                    <a:lumMod val="95000"/>
+                    <a:lumOff val="5000"/>
+                  </a:schemeClr>
                 </a:solidFill>
               </a:rPr>
               <a:t>1. Data Arrival (network)</a:t>
@@ -13421,16 +13438,12 @@
         <p:spPr>
           <a:xfrm>
             <a:off x="2590800" y="3429000"/>
-            <a:ext cx="3267780" cy="510540"/>
+            <a:ext cx="3287116" cy="461665"/>
           </a:xfrm>
           <a:prstGeom prst="rect">
             <a:avLst/>
           </a:prstGeom>
-          <a:solidFill>
-            <a:schemeClr val="accent3">
-              <a:lumOff val="44000"/>
-            </a:schemeClr>
-          </a:solidFill>
+          <a:noFill/>
           <a:ln w="12700">
             <a:miter lim="400000"/>
           </a:ln>
@@ -13464,7 +13477,10 @@
             <a:r>
               <a:rPr sz="2400" b="1">
                 <a:solidFill>
-                  <a:srgbClr val="FF0000"/>
+                  <a:schemeClr val="tx1">
+                    <a:lumMod val="95000"/>
+                    <a:lumOff val="5000"/>
+                  </a:schemeClr>
                 </a:solidFill>
               </a:rPr>
               <a:t>1.Data Arrival (local)</a:t>
@@ -13481,7 +13497,7 @@
         <p:spPr>
           <a:xfrm>
             <a:off x="1355725" y="5761037"/>
-            <a:ext cx="6677432" cy="510541"/>
+            <a:ext cx="6727161" cy="461665"/>
           </a:xfrm>
           <a:prstGeom prst="rect">
             <a:avLst/>
@@ -13504,14 +13520,13 @@
             <a:r>
               <a:rPr sz="2400" b="1">
                 <a:solidFill>
-                  <a:srgbClr val="FF3300"/>
+                  <a:schemeClr val="tx1">
+                    <a:lumMod val="95000"/>
+                    <a:lumOff val="5000"/>
+                  </a:schemeClr>
                 </a:solidFill>
               </a:rPr>
-              <a:t>Overheads</a:t>
-            </a:r>
-            <a:r>
-              <a:rPr sz="2400" b="1"/>
-              <a:t>: Context switching, Data copying</a:t>
+              <a:t>Overheads: Context switching, Data copying</a:t>
             </a:r>
           </a:p>
         </p:txBody>
@@ -13619,8 +13634,8 @@
         </p:nvSpPr>
         <p:spPr>
           <a:xfrm>
-            <a:off x="1572091" y="1676400"/>
-            <a:ext cx="1289706" cy="792669"/>
+            <a:off x="1615338" y="1676400"/>
+            <a:ext cx="1203212" cy="830997"/>
           </a:xfrm>
           <a:prstGeom prst="rect">
             <a:avLst/>
@@ -13649,9 +13664,12 @@
               </a:defRPr>
             </a:pPr>
             <a:r>
-              <a:rPr sz="2400" b="1">
+              <a:rPr sz="2400" b="1" dirty="0">
                 <a:solidFill>
-                  <a:srgbClr val="FF0000"/>
+                  <a:schemeClr val="tx1">
+                    <a:lumMod val="95000"/>
+                    <a:lumOff val="5000"/>
+                  </a:schemeClr>
                 </a:solidFill>
               </a:rPr>
               <a:t>read( ) /</a:t>
@@ -13667,9 +13685,12 @@
               </a:defRPr>
             </a:pPr>
             <a:r>
-              <a:rPr sz="2400" b="1">
+              <a:rPr sz="2400" b="1" dirty="0">
                 <a:solidFill>
-                  <a:srgbClr val="FF0000"/>
+                  <a:schemeClr val="tx1">
+                    <a:lumMod val="95000"/>
+                    <a:lumOff val="5000"/>
+                  </a:schemeClr>
                 </a:solidFill>
               </a:rPr>
               <a:t>recv( )</a:t>
